--- a/ppt 16-9/1279.他们在童年.pptx
+++ b/ppt 16-9/1279.他们在童年.pptx
@@ -129,7 +129,7 @@
           <p:cNvPr id="2" name="标题 1">
             <a:extLst>
               <a:ext uri="{FF2B5EF4-FFF2-40B4-BE49-F238E27FC236}">
-                <a16:creationId xmlns:a16="http://schemas.microsoft.com/office/drawing/2014/main" id="{2821F6FA-66A2-051C-5BA2-2393CD23F9FB}"/>
+                <a16:creationId xmlns:a16="http://schemas.microsoft.com/office/drawing/2014/main" id="{D7327D07-498B-342D-E257-5B9250859EB0}"/>
               </a:ext>
             </a:extLst>
           </p:cNvPr>
@@ -166,7 +166,7 @@
           <p:cNvPr id="3" name="副标题 2">
             <a:extLst>
               <a:ext uri="{FF2B5EF4-FFF2-40B4-BE49-F238E27FC236}">
-                <a16:creationId xmlns:a16="http://schemas.microsoft.com/office/drawing/2014/main" id="{75ADE351-195C-3669-E761-17DF519F8020}"/>
+                <a16:creationId xmlns:a16="http://schemas.microsoft.com/office/drawing/2014/main" id="{D5907A8C-88D7-C50B-3539-C03E1B68004A}"/>
               </a:ext>
             </a:extLst>
           </p:cNvPr>
@@ -236,7 +236,7 @@
           <p:cNvPr id="4" name="日期占位符 3">
             <a:extLst>
               <a:ext uri="{FF2B5EF4-FFF2-40B4-BE49-F238E27FC236}">
-                <a16:creationId xmlns:a16="http://schemas.microsoft.com/office/drawing/2014/main" id="{A1D7BC91-07A4-98E7-4937-79229289D804}"/>
+                <a16:creationId xmlns:a16="http://schemas.microsoft.com/office/drawing/2014/main" id="{2840B29C-52F3-F51B-1087-0AE40BBE3464}"/>
               </a:ext>
             </a:extLst>
           </p:cNvPr>
@@ -252,7 +252,7 @@
           <a:bodyPr/>
           <a:lstStyle/>
           <a:p>
-            <a:fld id="{7AA87A8D-598E-496E-81AE-78F282129C5A}" type="datetimeFigureOut">
+            <a:fld id="{828F3A8C-BC72-4107-AD19-D0793A15E6C7}" type="datetimeFigureOut">
               <a:rPr lang="zh-CN" altLang="en-US" smtClean="0"/>
               <a:t>2024/3/10</a:t>
             </a:fld>
@@ -265,7 +265,7 @@
           <p:cNvPr id="5" name="页脚占位符 4">
             <a:extLst>
               <a:ext uri="{FF2B5EF4-FFF2-40B4-BE49-F238E27FC236}">
-                <a16:creationId xmlns:a16="http://schemas.microsoft.com/office/drawing/2014/main" id="{3DA7306C-7C6F-194B-23D2-40040386AB01}"/>
+                <a16:creationId xmlns:a16="http://schemas.microsoft.com/office/drawing/2014/main" id="{ABE17668-2B97-E0B3-6E53-163DD1FA9948}"/>
               </a:ext>
             </a:extLst>
           </p:cNvPr>
@@ -290,7 +290,7 @@
           <p:cNvPr id="6" name="灯片编号占位符 5">
             <a:extLst>
               <a:ext uri="{FF2B5EF4-FFF2-40B4-BE49-F238E27FC236}">
-                <a16:creationId xmlns:a16="http://schemas.microsoft.com/office/drawing/2014/main" id="{73BFA4EB-9B13-8474-9B3F-E97602D5658F}"/>
+                <a16:creationId xmlns:a16="http://schemas.microsoft.com/office/drawing/2014/main" id="{BC4F6294-8A16-CF39-6BFA-375F54C35578}"/>
               </a:ext>
             </a:extLst>
           </p:cNvPr>
@@ -306,7 +306,7 @@
           <a:bodyPr/>
           <a:lstStyle/>
           <a:p>
-            <a:fld id="{059BFBEB-1B3E-4B10-ABBE-28A5089775A6}" type="slidenum">
+            <a:fld id="{B6719500-3C66-4C14-BAFE-6F6E6808BCE0}" type="slidenum">
               <a:rPr lang="zh-CN" altLang="en-US" smtClean="0"/>
               <a:t>‹#›</a:t>
             </a:fld>
@@ -317,7 +317,7 @@
     </p:spTree>
     <p:extLst>
       <p:ext uri="{BB962C8B-B14F-4D97-AF65-F5344CB8AC3E}">
-        <p14:creationId xmlns:p14="http://schemas.microsoft.com/office/powerpoint/2010/main" val="1635102666"/>
+        <p14:creationId xmlns:p14="http://schemas.microsoft.com/office/powerpoint/2010/main" val="1461182013"/>
       </p:ext>
     </p:extLst>
   </p:cSld>
@@ -349,7 +349,7 @@
           <p:cNvPr id="2" name="标题 1">
             <a:extLst>
               <a:ext uri="{FF2B5EF4-FFF2-40B4-BE49-F238E27FC236}">
-                <a16:creationId xmlns:a16="http://schemas.microsoft.com/office/drawing/2014/main" id="{AB9D2010-EA57-66FA-BBF5-B449326DA217}"/>
+                <a16:creationId xmlns:a16="http://schemas.microsoft.com/office/drawing/2014/main" id="{23ECE78D-B919-1985-9BED-232C1CABD206}"/>
               </a:ext>
             </a:extLst>
           </p:cNvPr>
@@ -377,7 +377,7 @@
           <p:cNvPr id="3" name="竖排文字占位符 2">
             <a:extLst>
               <a:ext uri="{FF2B5EF4-FFF2-40B4-BE49-F238E27FC236}">
-                <a16:creationId xmlns:a16="http://schemas.microsoft.com/office/drawing/2014/main" id="{5C91698C-7A23-229F-74FA-B62501110563}"/>
+                <a16:creationId xmlns:a16="http://schemas.microsoft.com/office/drawing/2014/main" id="{7D8C7D63-857C-DE1F-3FE9-9D06ADD57854}"/>
               </a:ext>
             </a:extLst>
           </p:cNvPr>
@@ -434,7 +434,7 @@
           <p:cNvPr id="4" name="日期占位符 3">
             <a:extLst>
               <a:ext uri="{FF2B5EF4-FFF2-40B4-BE49-F238E27FC236}">
-                <a16:creationId xmlns:a16="http://schemas.microsoft.com/office/drawing/2014/main" id="{A157D5EB-800B-C4B9-CAF5-CBA8F260000D}"/>
+                <a16:creationId xmlns:a16="http://schemas.microsoft.com/office/drawing/2014/main" id="{FDCF05EC-4366-5945-40A1-EC0ABE3DF591}"/>
               </a:ext>
             </a:extLst>
           </p:cNvPr>
@@ -450,7 +450,7 @@
           <a:bodyPr/>
           <a:lstStyle/>
           <a:p>
-            <a:fld id="{7AA87A8D-598E-496E-81AE-78F282129C5A}" type="datetimeFigureOut">
+            <a:fld id="{828F3A8C-BC72-4107-AD19-D0793A15E6C7}" type="datetimeFigureOut">
               <a:rPr lang="zh-CN" altLang="en-US" smtClean="0"/>
               <a:t>2024/3/10</a:t>
             </a:fld>
@@ -463,7 +463,7 @@
           <p:cNvPr id="5" name="页脚占位符 4">
             <a:extLst>
               <a:ext uri="{FF2B5EF4-FFF2-40B4-BE49-F238E27FC236}">
-                <a16:creationId xmlns:a16="http://schemas.microsoft.com/office/drawing/2014/main" id="{8DAC3074-7E62-BC9F-05AC-ED41D92A685A}"/>
+                <a16:creationId xmlns:a16="http://schemas.microsoft.com/office/drawing/2014/main" id="{1324D5F6-0FB7-6A53-D763-D17AF78D933F}"/>
               </a:ext>
             </a:extLst>
           </p:cNvPr>
@@ -488,7 +488,7 @@
           <p:cNvPr id="6" name="灯片编号占位符 5">
             <a:extLst>
               <a:ext uri="{FF2B5EF4-FFF2-40B4-BE49-F238E27FC236}">
-                <a16:creationId xmlns:a16="http://schemas.microsoft.com/office/drawing/2014/main" id="{F276539E-ABBD-9349-1A35-D7A115A943A5}"/>
+                <a16:creationId xmlns:a16="http://schemas.microsoft.com/office/drawing/2014/main" id="{70D5FA6D-9E72-DE55-812E-8ED7E53C19E5}"/>
               </a:ext>
             </a:extLst>
           </p:cNvPr>
@@ -504,7 +504,7 @@
           <a:bodyPr/>
           <a:lstStyle/>
           <a:p>
-            <a:fld id="{059BFBEB-1B3E-4B10-ABBE-28A5089775A6}" type="slidenum">
+            <a:fld id="{B6719500-3C66-4C14-BAFE-6F6E6808BCE0}" type="slidenum">
               <a:rPr lang="zh-CN" altLang="en-US" smtClean="0"/>
               <a:t>‹#›</a:t>
             </a:fld>
@@ -515,7 +515,7 @@
     </p:spTree>
     <p:extLst>
       <p:ext uri="{BB962C8B-B14F-4D97-AF65-F5344CB8AC3E}">
-        <p14:creationId xmlns:p14="http://schemas.microsoft.com/office/powerpoint/2010/main" val="2744434291"/>
+        <p14:creationId xmlns:p14="http://schemas.microsoft.com/office/powerpoint/2010/main" val="260714060"/>
       </p:ext>
     </p:extLst>
   </p:cSld>
@@ -547,7 +547,7 @@
           <p:cNvPr id="2" name="竖排标题 1">
             <a:extLst>
               <a:ext uri="{FF2B5EF4-FFF2-40B4-BE49-F238E27FC236}">
-                <a16:creationId xmlns:a16="http://schemas.microsoft.com/office/drawing/2014/main" id="{AA08E9A7-64AF-2A64-D0AD-828ACC692846}"/>
+                <a16:creationId xmlns:a16="http://schemas.microsoft.com/office/drawing/2014/main" id="{0AF6F770-323D-B214-70ED-D6575DB8E377}"/>
               </a:ext>
             </a:extLst>
           </p:cNvPr>
@@ -580,7 +580,7 @@
           <p:cNvPr id="3" name="竖排文字占位符 2">
             <a:extLst>
               <a:ext uri="{FF2B5EF4-FFF2-40B4-BE49-F238E27FC236}">
-                <a16:creationId xmlns:a16="http://schemas.microsoft.com/office/drawing/2014/main" id="{498A129B-196B-6038-D52D-9A6013014E6B}"/>
+                <a16:creationId xmlns:a16="http://schemas.microsoft.com/office/drawing/2014/main" id="{4219A254-152B-435D-C786-7EE410464B84}"/>
               </a:ext>
             </a:extLst>
           </p:cNvPr>
@@ -642,7 +642,7 @@
           <p:cNvPr id="4" name="日期占位符 3">
             <a:extLst>
               <a:ext uri="{FF2B5EF4-FFF2-40B4-BE49-F238E27FC236}">
-                <a16:creationId xmlns:a16="http://schemas.microsoft.com/office/drawing/2014/main" id="{B427B227-163D-BB52-5204-F4432E39AC6F}"/>
+                <a16:creationId xmlns:a16="http://schemas.microsoft.com/office/drawing/2014/main" id="{BB22429D-AF46-E9A4-95C3-0187F9D17E4D}"/>
               </a:ext>
             </a:extLst>
           </p:cNvPr>
@@ -658,7 +658,7 @@
           <a:bodyPr/>
           <a:lstStyle/>
           <a:p>
-            <a:fld id="{7AA87A8D-598E-496E-81AE-78F282129C5A}" type="datetimeFigureOut">
+            <a:fld id="{828F3A8C-BC72-4107-AD19-D0793A15E6C7}" type="datetimeFigureOut">
               <a:rPr lang="zh-CN" altLang="en-US" smtClean="0"/>
               <a:t>2024/3/10</a:t>
             </a:fld>
@@ -671,7 +671,7 @@
           <p:cNvPr id="5" name="页脚占位符 4">
             <a:extLst>
               <a:ext uri="{FF2B5EF4-FFF2-40B4-BE49-F238E27FC236}">
-                <a16:creationId xmlns:a16="http://schemas.microsoft.com/office/drawing/2014/main" id="{EBEDE9BE-0953-AB10-6AD9-827821B83DDB}"/>
+                <a16:creationId xmlns:a16="http://schemas.microsoft.com/office/drawing/2014/main" id="{029C5AB1-67E3-8522-FDBE-4B6D7535C072}"/>
               </a:ext>
             </a:extLst>
           </p:cNvPr>
@@ -696,7 +696,7 @@
           <p:cNvPr id="6" name="灯片编号占位符 5">
             <a:extLst>
               <a:ext uri="{FF2B5EF4-FFF2-40B4-BE49-F238E27FC236}">
-                <a16:creationId xmlns:a16="http://schemas.microsoft.com/office/drawing/2014/main" id="{2DADF4A3-C59D-CDF9-7164-44808075C786}"/>
+                <a16:creationId xmlns:a16="http://schemas.microsoft.com/office/drawing/2014/main" id="{B598DC09-240E-AFC8-D4DC-49E51D773BC5}"/>
               </a:ext>
             </a:extLst>
           </p:cNvPr>
@@ -712,7 +712,7 @@
           <a:bodyPr/>
           <a:lstStyle/>
           <a:p>
-            <a:fld id="{059BFBEB-1B3E-4B10-ABBE-28A5089775A6}" type="slidenum">
+            <a:fld id="{B6719500-3C66-4C14-BAFE-6F6E6808BCE0}" type="slidenum">
               <a:rPr lang="zh-CN" altLang="en-US" smtClean="0"/>
               <a:t>‹#›</a:t>
             </a:fld>
@@ -723,7 +723,7 @@
     </p:spTree>
     <p:extLst>
       <p:ext uri="{BB962C8B-B14F-4D97-AF65-F5344CB8AC3E}">
-        <p14:creationId xmlns:p14="http://schemas.microsoft.com/office/powerpoint/2010/main" val="443929467"/>
+        <p14:creationId xmlns:p14="http://schemas.microsoft.com/office/powerpoint/2010/main" val="1955398756"/>
       </p:ext>
     </p:extLst>
   </p:cSld>
@@ -755,7 +755,7 @@
           <p:cNvPr id="2" name="标题 1">
             <a:extLst>
               <a:ext uri="{FF2B5EF4-FFF2-40B4-BE49-F238E27FC236}">
-                <a16:creationId xmlns:a16="http://schemas.microsoft.com/office/drawing/2014/main" id="{CB8199BC-1C5A-40D7-DE83-153F9E97F318}"/>
+                <a16:creationId xmlns:a16="http://schemas.microsoft.com/office/drawing/2014/main" id="{16B667D1-9D57-4DD7-3D2F-2810235B6429}"/>
               </a:ext>
             </a:extLst>
           </p:cNvPr>
@@ -783,7 +783,7 @@
           <p:cNvPr id="3" name="内容占位符 2">
             <a:extLst>
               <a:ext uri="{FF2B5EF4-FFF2-40B4-BE49-F238E27FC236}">
-                <a16:creationId xmlns:a16="http://schemas.microsoft.com/office/drawing/2014/main" id="{13C4E48C-6D86-805E-382F-D3CF6B916146}"/>
+                <a16:creationId xmlns:a16="http://schemas.microsoft.com/office/drawing/2014/main" id="{0526F396-5A22-491D-ADCE-076CBF785B9D}"/>
               </a:ext>
             </a:extLst>
           </p:cNvPr>
@@ -840,7 +840,7 @@
           <p:cNvPr id="4" name="日期占位符 3">
             <a:extLst>
               <a:ext uri="{FF2B5EF4-FFF2-40B4-BE49-F238E27FC236}">
-                <a16:creationId xmlns:a16="http://schemas.microsoft.com/office/drawing/2014/main" id="{A3022436-0A2C-5DD3-9679-D2BCACE71B96}"/>
+                <a16:creationId xmlns:a16="http://schemas.microsoft.com/office/drawing/2014/main" id="{9E925EA8-0D9C-78BB-03F8-0E72A1BAF025}"/>
               </a:ext>
             </a:extLst>
           </p:cNvPr>
@@ -856,7 +856,7 @@
           <a:bodyPr/>
           <a:lstStyle/>
           <a:p>
-            <a:fld id="{7AA87A8D-598E-496E-81AE-78F282129C5A}" type="datetimeFigureOut">
+            <a:fld id="{828F3A8C-BC72-4107-AD19-D0793A15E6C7}" type="datetimeFigureOut">
               <a:rPr lang="zh-CN" altLang="en-US" smtClean="0"/>
               <a:t>2024/3/10</a:t>
             </a:fld>
@@ -869,7 +869,7 @@
           <p:cNvPr id="5" name="页脚占位符 4">
             <a:extLst>
               <a:ext uri="{FF2B5EF4-FFF2-40B4-BE49-F238E27FC236}">
-                <a16:creationId xmlns:a16="http://schemas.microsoft.com/office/drawing/2014/main" id="{3E68CDDF-290F-F7B2-6FE9-2DEB66413F86}"/>
+                <a16:creationId xmlns:a16="http://schemas.microsoft.com/office/drawing/2014/main" id="{92065F00-92DA-C26C-FC1D-4B3F96813D9B}"/>
               </a:ext>
             </a:extLst>
           </p:cNvPr>
@@ -894,7 +894,7 @@
           <p:cNvPr id="6" name="灯片编号占位符 5">
             <a:extLst>
               <a:ext uri="{FF2B5EF4-FFF2-40B4-BE49-F238E27FC236}">
-                <a16:creationId xmlns:a16="http://schemas.microsoft.com/office/drawing/2014/main" id="{6E077D0F-3C8A-7DE3-0897-3013CC632E83}"/>
+                <a16:creationId xmlns:a16="http://schemas.microsoft.com/office/drawing/2014/main" id="{CCFDDFA0-E30B-39A9-24C2-872FC77DB058}"/>
               </a:ext>
             </a:extLst>
           </p:cNvPr>
@@ -910,7 +910,7 @@
           <a:bodyPr/>
           <a:lstStyle/>
           <a:p>
-            <a:fld id="{059BFBEB-1B3E-4B10-ABBE-28A5089775A6}" type="slidenum">
+            <a:fld id="{B6719500-3C66-4C14-BAFE-6F6E6808BCE0}" type="slidenum">
               <a:rPr lang="zh-CN" altLang="en-US" smtClean="0"/>
               <a:t>‹#›</a:t>
             </a:fld>
@@ -921,7 +921,7 @@
     </p:spTree>
     <p:extLst>
       <p:ext uri="{BB962C8B-B14F-4D97-AF65-F5344CB8AC3E}">
-        <p14:creationId xmlns:p14="http://schemas.microsoft.com/office/powerpoint/2010/main" val="1256346021"/>
+        <p14:creationId xmlns:p14="http://schemas.microsoft.com/office/powerpoint/2010/main" val="1201978940"/>
       </p:ext>
     </p:extLst>
   </p:cSld>
@@ -953,7 +953,7 @@
           <p:cNvPr id="2" name="标题 1">
             <a:extLst>
               <a:ext uri="{FF2B5EF4-FFF2-40B4-BE49-F238E27FC236}">
-                <a16:creationId xmlns:a16="http://schemas.microsoft.com/office/drawing/2014/main" id="{E60011A7-EF75-3114-82D7-31F89813F954}"/>
+                <a16:creationId xmlns:a16="http://schemas.microsoft.com/office/drawing/2014/main" id="{0230E6FE-D353-A108-44A3-87FDA13ED1A1}"/>
               </a:ext>
             </a:extLst>
           </p:cNvPr>
@@ -990,7 +990,7 @@
           <p:cNvPr id="3" name="文本占位符 2">
             <a:extLst>
               <a:ext uri="{FF2B5EF4-FFF2-40B4-BE49-F238E27FC236}">
-                <a16:creationId xmlns:a16="http://schemas.microsoft.com/office/drawing/2014/main" id="{8088C6AE-9B21-734B-FA97-0B13E6064A3D}"/>
+                <a16:creationId xmlns:a16="http://schemas.microsoft.com/office/drawing/2014/main" id="{A2FBC2D4-DE37-BEE6-C55A-1BB8826C88DF}"/>
               </a:ext>
             </a:extLst>
           </p:cNvPr>
@@ -1115,7 +1115,7 @@
           <p:cNvPr id="4" name="日期占位符 3">
             <a:extLst>
               <a:ext uri="{FF2B5EF4-FFF2-40B4-BE49-F238E27FC236}">
-                <a16:creationId xmlns:a16="http://schemas.microsoft.com/office/drawing/2014/main" id="{F10F70A1-5088-63A4-D9F7-EEA1B6BD6F4A}"/>
+                <a16:creationId xmlns:a16="http://schemas.microsoft.com/office/drawing/2014/main" id="{52DCA8DE-724B-37A5-96B9-77C9FE700125}"/>
               </a:ext>
             </a:extLst>
           </p:cNvPr>
@@ -1131,7 +1131,7 @@
           <a:bodyPr/>
           <a:lstStyle/>
           <a:p>
-            <a:fld id="{7AA87A8D-598E-496E-81AE-78F282129C5A}" type="datetimeFigureOut">
+            <a:fld id="{828F3A8C-BC72-4107-AD19-D0793A15E6C7}" type="datetimeFigureOut">
               <a:rPr lang="zh-CN" altLang="en-US" smtClean="0"/>
               <a:t>2024/3/10</a:t>
             </a:fld>
@@ -1144,7 +1144,7 @@
           <p:cNvPr id="5" name="页脚占位符 4">
             <a:extLst>
               <a:ext uri="{FF2B5EF4-FFF2-40B4-BE49-F238E27FC236}">
-                <a16:creationId xmlns:a16="http://schemas.microsoft.com/office/drawing/2014/main" id="{A6ECAF5F-4859-3C4C-FB6A-6DFB6692BB8A}"/>
+                <a16:creationId xmlns:a16="http://schemas.microsoft.com/office/drawing/2014/main" id="{29549EC5-A542-2908-F777-DDEE2581CA88}"/>
               </a:ext>
             </a:extLst>
           </p:cNvPr>
@@ -1169,7 +1169,7 @@
           <p:cNvPr id="6" name="灯片编号占位符 5">
             <a:extLst>
               <a:ext uri="{FF2B5EF4-FFF2-40B4-BE49-F238E27FC236}">
-                <a16:creationId xmlns:a16="http://schemas.microsoft.com/office/drawing/2014/main" id="{30D646EE-0E64-F5A0-F377-DAB97636DE55}"/>
+                <a16:creationId xmlns:a16="http://schemas.microsoft.com/office/drawing/2014/main" id="{C9C4F8C9-AD9A-1CEF-082A-F5330F981466}"/>
               </a:ext>
             </a:extLst>
           </p:cNvPr>
@@ -1185,7 +1185,7 @@
           <a:bodyPr/>
           <a:lstStyle/>
           <a:p>
-            <a:fld id="{059BFBEB-1B3E-4B10-ABBE-28A5089775A6}" type="slidenum">
+            <a:fld id="{B6719500-3C66-4C14-BAFE-6F6E6808BCE0}" type="slidenum">
               <a:rPr lang="zh-CN" altLang="en-US" smtClean="0"/>
               <a:t>‹#›</a:t>
             </a:fld>
@@ -1196,7 +1196,7 @@
     </p:spTree>
     <p:extLst>
       <p:ext uri="{BB962C8B-B14F-4D97-AF65-F5344CB8AC3E}">
-        <p14:creationId xmlns:p14="http://schemas.microsoft.com/office/powerpoint/2010/main" val="798807450"/>
+        <p14:creationId xmlns:p14="http://schemas.microsoft.com/office/powerpoint/2010/main" val="1918921431"/>
       </p:ext>
     </p:extLst>
   </p:cSld>
@@ -1228,7 +1228,7 @@
           <p:cNvPr id="2" name="标题 1">
             <a:extLst>
               <a:ext uri="{FF2B5EF4-FFF2-40B4-BE49-F238E27FC236}">
-                <a16:creationId xmlns:a16="http://schemas.microsoft.com/office/drawing/2014/main" id="{FDD72F46-22F9-00EC-68C5-368D7823FCAE}"/>
+                <a16:creationId xmlns:a16="http://schemas.microsoft.com/office/drawing/2014/main" id="{BB76E846-FB68-2ECA-E8DF-396E7099F908}"/>
               </a:ext>
             </a:extLst>
           </p:cNvPr>
@@ -1256,7 +1256,7 @@
           <p:cNvPr id="3" name="内容占位符 2">
             <a:extLst>
               <a:ext uri="{FF2B5EF4-FFF2-40B4-BE49-F238E27FC236}">
-                <a16:creationId xmlns:a16="http://schemas.microsoft.com/office/drawing/2014/main" id="{E9ADA01F-6D1E-6F93-BDB7-3D4098F0A089}"/>
+                <a16:creationId xmlns:a16="http://schemas.microsoft.com/office/drawing/2014/main" id="{F245B87A-027B-32DC-683F-932E3E42B646}"/>
               </a:ext>
             </a:extLst>
           </p:cNvPr>
@@ -1318,7 +1318,7 @@
           <p:cNvPr id="4" name="内容占位符 3">
             <a:extLst>
               <a:ext uri="{FF2B5EF4-FFF2-40B4-BE49-F238E27FC236}">
-                <a16:creationId xmlns:a16="http://schemas.microsoft.com/office/drawing/2014/main" id="{F59250EF-A271-E0A8-69FC-8A54457BE34E}"/>
+                <a16:creationId xmlns:a16="http://schemas.microsoft.com/office/drawing/2014/main" id="{ECE1528C-FCE1-9CEB-E9E1-2E7FC7AF680E}"/>
               </a:ext>
             </a:extLst>
           </p:cNvPr>
@@ -1380,7 +1380,7 @@
           <p:cNvPr id="5" name="日期占位符 4">
             <a:extLst>
               <a:ext uri="{FF2B5EF4-FFF2-40B4-BE49-F238E27FC236}">
-                <a16:creationId xmlns:a16="http://schemas.microsoft.com/office/drawing/2014/main" id="{186BB567-1599-E82F-93FE-CF68D3DCA9FF}"/>
+                <a16:creationId xmlns:a16="http://schemas.microsoft.com/office/drawing/2014/main" id="{0E5A6BB3-48B6-37D5-4FBD-2C13788CFC38}"/>
               </a:ext>
             </a:extLst>
           </p:cNvPr>
@@ -1396,7 +1396,7 @@
           <a:bodyPr/>
           <a:lstStyle/>
           <a:p>
-            <a:fld id="{7AA87A8D-598E-496E-81AE-78F282129C5A}" type="datetimeFigureOut">
+            <a:fld id="{828F3A8C-BC72-4107-AD19-D0793A15E6C7}" type="datetimeFigureOut">
               <a:rPr lang="zh-CN" altLang="en-US" smtClean="0"/>
               <a:t>2024/3/10</a:t>
             </a:fld>
@@ -1409,7 +1409,7 @@
           <p:cNvPr id="6" name="页脚占位符 5">
             <a:extLst>
               <a:ext uri="{FF2B5EF4-FFF2-40B4-BE49-F238E27FC236}">
-                <a16:creationId xmlns:a16="http://schemas.microsoft.com/office/drawing/2014/main" id="{4C907117-9406-6C31-454B-5A5A90882BFC}"/>
+                <a16:creationId xmlns:a16="http://schemas.microsoft.com/office/drawing/2014/main" id="{661414E3-A094-96EF-9414-9BBE4D6562B8}"/>
               </a:ext>
             </a:extLst>
           </p:cNvPr>
@@ -1434,7 +1434,7 @@
           <p:cNvPr id="7" name="灯片编号占位符 6">
             <a:extLst>
               <a:ext uri="{FF2B5EF4-FFF2-40B4-BE49-F238E27FC236}">
-                <a16:creationId xmlns:a16="http://schemas.microsoft.com/office/drawing/2014/main" id="{1642A063-BB71-1CBB-F6B0-0E8867E00CB9}"/>
+                <a16:creationId xmlns:a16="http://schemas.microsoft.com/office/drawing/2014/main" id="{D3551768-4196-29D3-C16D-5C2D61EB1045}"/>
               </a:ext>
             </a:extLst>
           </p:cNvPr>
@@ -1450,7 +1450,7 @@
           <a:bodyPr/>
           <a:lstStyle/>
           <a:p>
-            <a:fld id="{059BFBEB-1B3E-4B10-ABBE-28A5089775A6}" type="slidenum">
+            <a:fld id="{B6719500-3C66-4C14-BAFE-6F6E6808BCE0}" type="slidenum">
               <a:rPr lang="zh-CN" altLang="en-US" smtClean="0"/>
               <a:t>‹#›</a:t>
             </a:fld>
@@ -1461,7 +1461,7 @@
     </p:spTree>
     <p:extLst>
       <p:ext uri="{BB962C8B-B14F-4D97-AF65-F5344CB8AC3E}">
-        <p14:creationId xmlns:p14="http://schemas.microsoft.com/office/powerpoint/2010/main" val="965635344"/>
+        <p14:creationId xmlns:p14="http://schemas.microsoft.com/office/powerpoint/2010/main" val="3642744171"/>
       </p:ext>
     </p:extLst>
   </p:cSld>
@@ -1493,7 +1493,7 @@
           <p:cNvPr id="2" name="标题 1">
             <a:extLst>
               <a:ext uri="{FF2B5EF4-FFF2-40B4-BE49-F238E27FC236}">
-                <a16:creationId xmlns:a16="http://schemas.microsoft.com/office/drawing/2014/main" id="{D1414752-B07D-202A-9CAE-5E42B1BB4EFE}"/>
+                <a16:creationId xmlns:a16="http://schemas.microsoft.com/office/drawing/2014/main" id="{72EA9668-EC3A-9CA1-0C92-86B8F2381B69}"/>
               </a:ext>
             </a:extLst>
           </p:cNvPr>
@@ -1526,7 +1526,7 @@
           <p:cNvPr id="3" name="文本占位符 2">
             <a:extLst>
               <a:ext uri="{FF2B5EF4-FFF2-40B4-BE49-F238E27FC236}">
-                <a16:creationId xmlns:a16="http://schemas.microsoft.com/office/drawing/2014/main" id="{F8614F21-9F56-C7A0-DED3-342AD44ECD2F}"/>
+                <a16:creationId xmlns:a16="http://schemas.microsoft.com/office/drawing/2014/main" id="{8044D2E9-37E5-9CA1-F7AD-994DBE3F6029}"/>
               </a:ext>
             </a:extLst>
           </p:cNvPr>
@@ -1597,7 +1597,7 @@
           <p:cNvPr id="4" name="内容占位符 3">
             <a:extLst>
               <a:ext uri="{FF2B5EF4-FFF2-40B4-BE49-F238E27FC236}">
-                <a16:creationId xmlns:a16="http://schemas.microsoft.com/office/drawing/2014/main" id="{A0EA0E6C-56AA-E9EB-C1A8-37F600F88C53}"/>
+                <a16:creationId xmlns:a16="http://schemas.microsoft.com/office/drawing/2014/main" id="{9BAA0E33-68E0-245A-578C-F4A2FD4925BE}"/>
               </a:ext>
             </a:extLst>
           </p:cNvPr>
@@ -1659,7 +1659,7 @@
           <p:cNvPr id="5" name="文本占位符 4">
             <a:extLst>
               <a:ext uri="{FF2B5EF4-FFF2-40B4-BE49-F238E27FC236}">
-                <a16:creationId xmlns:a16="http://schemas.microsoft.com/office/drawing/2014/main" id="{868BBE9F-9F1B-059F-313C-51E0978E7789}"/>
+                <a16:creationId xmlns:a16="http://schemas.microsoft.com/office/drawing/2014/main" id="{5C4C311A-D5A4-3A68-5DAB-AAF898CC333D}"/>
               </a:ext>
             </a:extLst>
           </p:cNvPr>
@@ -1730,7 +1730,7 @@
           <p:cNvPr id="6" name="内容占位符 5">
             <a:extLst>
               <a:ext uri="{FF2B5EF4-FFF2-40B4-BE49-F238E27FC236}">
-                <a16:creationId xmlns:a16="http://schemas.microsoft.com/office/drawing/2014/main" id="{4CC4C7C6-54CF-172E-6DE5-F18075692030}"/>
+                <a16:creationId xmlns:a16="http://schemas.microsoft.com/office/drawing/2014/main" id="{6733C690-D3D6-96D2-1485-6451E5AC3436}"/>
               </a:ext>
             </a:extLst>
           </p:cNvPr>
@@ -1792,7 +1792,7 @@
           <p:cNvPr id="7" name="日期占位符 6">
             <a:extLst>
               <a:ext uri="{FF2B5EF4-FFF2-40B4-BE49-F238E27FC236}">
-                <a16:creationId xmlns:a16="http://schemas.microsoft.com/office/drawing/2014/main" id="{3119DFED-9B82-4951-F4D2-BDD5A1907D17}"/>
+                <a16:creationId xmlns:a16="http://schemas.microsoft.com/office/drawing/2014/main" id="{659C570F-BA70-2826-1AA9-CD03E10672D6}"/>
               </a:ext>
             </a:extLst>
           </p:cNvPr>
@@ -1808,7 +1808,7 @@
           <a:bodyPr/>
           <a:lstStyle/>
           <a:p>
-            <a:fld id="{7AA87A8D-598E-496E-81AE-78F282129C5A}" type="datetimeFigureOut">
+            <a:fld id="{828F3A8C-BC72-4107-AD19-D0793A15E6C7}" type="datetimeFigureOut">
               <a:rPr lang="zh-CN" altLang="en-US" smtClean="0"/>
               <a:t>2024/3/10</a:t>
             </a:fld>
@@ -1821,7 +1821,7 @@
           <p:cNvPr id="8" name="页脚占位符 7">
             <a:extLst>
               <a:ext uri="{FF2B5EF4-FFF2-40B4-BE49-F238E27FC236}">
-                <a16:creationId xmlns:a16="http://schemas.microsoft.com/office/drawing/2014/main" id="{5DB7A320-DF2A-4BA3-F45E-6B244B6B55A3}"/>
+                <a16:creationId xmlns:a16="http://schemas.microsoft.com/office/drawing/2014/main" id="{81F256A7-128B-B513-1721-0D529E4D4ED1}"/>
               </a:ext>
             </a:extLst>
           </p:cNvPr>
@@ -1846,7 +1846,7 @@
           <p:cNvPr id="9" name="灯片编号占位符 8">
             <a:extLst>
               <a:ext uri="{FF2B5EF4-FFF2-40B4-BE49-F238E27FC236}">
-                <a16:creationId xmlns:a16="http://schemas.microsoft.com/office/drawing/2014/main" id="{39BC9388-2C2D-6647-51D6-E8AABE54273C}"/>
+                <a16:creationId xmlns:a16="http://schemas.microsoft.com/office/drawing/2014/main" id="{86AC4880-EB73-4A71-1C23-B95BE5DE5664}"/>
               </a:ext>
             </a:extLst>
           </p:cNvPr>
@@ -1862,7 +1862,7 @@
           <a:bodyPr/>
           <a:lstStyle/>
           <a:p>
-            <a:fld id="{059BFBEB-1B3E-4B10-ABBE-28A5089775A6}" type="slidenum">
+            <a:fld id="{B6719500-3C66-4C14-BAFE-6F6E6808BCE0}" type="slidenum">
               <a:rPr lang="zh-CN" altLang="en-US" smtClean="0"/>
               <a:t>‹#›</a:t>
             </a:fld>
@@ -1873,7 +1873,7 @@
     </p:spTree>
     <p:extLst>
       <p:ext uri="{BB962C8B-B14F-4D97-AF65-F5344CB8AC3E}">
-        <p14:creationId xmlns:p14="http://schemas.microsoft.com/office/powerpoint/2010/main" val="3020428199"/>
+        <p14:creationId xmlns:p14="http://schemas.microsoft.com/office/powerpoint/2010/main" val="2843255587"/>
       </p:ext>
     </p:extLst>
   </p:cSld>
@@ -1905,7 +1905,7 @@
           <p:cNvPr id="2" name="标题 1">
             <a:extLst>
               <a:ext uri="{FF2B5EF4-FFF2-40B4-BE49-F238E27FC236}">
-                <a16:creationId xmlns:a16="http://schemas.microsoft.com/office/drawing/2014/main" id="{07D84FD3-7E03-E168-F6AA-C0052C835A87}"/>
+                <a16:creationId xmlns:a16="http://schemas.microsoft.com/office/drawing/2014/main" id="{0D7A944E-B4C2-B86B-8738-612912F4D049}"/>
               </a:ext>
             </a:extLst>
           </p:cNvPr>
@@ -1933,7 +1933,7 @@
           <p:cNvPr id="3" name="日期占位符 2">
             <a:extLst>
               <a:ext uri="{FF2B5EF4-FFF2-40B4-BE49-F238E27FC236}">
-                <a16:creationId xmlns:a16="http://schemas.microsoft.com/office/drawing/2014/main" id="{F8BA3395-81D4-6DB0-AA4C-AF794933CD4F}"/>
+                <a16:creationId xmlns:a16="http://schemas.microsoft.com/office/drawing/2014/main" id="{D129E07A-1749-D8DD-F3ED-269D6D9159FE}"/>
               </a:ext>
             </a:extLst>
           </p:cNvPr>
@@ -1949,7 +1949,7 @@
           <a:bodyPr/>
           <a:lstStyle/>
           <a:p>
-            <a:fld id="{7AA87A8D-598E-496E-81AE-78F282129C5A}" type="datetimeFigureOut">
+            <a:fld id="{828F3A8C-BC72-4107-AD19-D0793A15E6C7}" type="datetimeFigureOut">
               <a:rPr lang="zh-CN" altLang="en-US" smtClean="0"/>
               <a:t>2024/3/10</a:t>
             </a:fld>
@@ -1962,7 +1962,7 @@
           <p:cNvPr id="4" name="页脚占位符 3">
             <a:extLst>
               <a:ext uri="{FF2B5EF4-FFF2-40B4-BE49-F238E27FC236}">
-                <a16:creationId xmlns:a16="http://schemas.microsoft.com/office/drawing/2014/main" id="{568CF8B5-1DB6-D400-9FD0-92B598749F08}"/>
+                <a16:creationId xmlns:a16="http://schemas.microsoft.com/office/drawing/2014/main" id="{728DF1A3-5074-0660-19DF-E4EBA3D99DA1}"/>
               </a:ext>
             </a:extLst>
           </p:cNvPr>
@@ -1987,7 +1987,7 @@
           <p:cNvPr id="5" name="灯片编号占位符 4">
             <a:extLst>
               <a:ext uri="{FF2B5EF4-FFF2-40B4-BE49-F238E27FC236}">
-                <a16:creationId xmlns:a16="http://schemas.microsoft.com/office/drawing/2014/main" id="{699FA6CF-214C-98AB-78D0-9A7A87F61C5F}"/>
+                <a16:creationId xmlns:a16="http://schemas.microsoft.com/office/drawing/2014/main" id="{A0548BF0-D08D-A5FB-CAAA-51ABABB6056C}"/>
               </a:ext>
             </a:extLst>
           </p:cNvPr>
@@ -2003,7 +2003,7 @@
           <a:bodyPr/>
           <a:lstStyle/>
           <a:p>
-            <a:fld id="{059BFBEB-1B3E-4B10-ABBE-28A5089775A6}" type="slidenum">
+            <a:fld id="{B6719500-3C66-4C14-BAFE-6F6E6808BCE0}" type="slidenum">
               <a:rPr lang="zh-CN" altLang="en-US" smtClean="0"/>
               <a:t>‹#›</a:t>
             </a:fld>
@@ -2014,7 +2014,7 @@
     </p:spTree>
     <p:extLst>
       <p:ext uri="{BB962C8B-B14F-4D97-AF65-F5344CB8AC3E}">
-        <p14:creationId xmlns:p14="http://schemas.microsoft.com/office/powerpoint/2010/main" val="2001359617"/>
+        <p14:creationId xmlns:p14="http://schemas.microsoft.com/office/powerpoint/2010/main" val="1218016745"/>
       </p:ext>
     </p:extLst>
   </p:cSld>
@@ -2046,7 +2046,7 @@
           <p:cNvPr id="2" name="日期占位符 1">
             <a:extLst>
               <a:ext uri="{FF2B5EF4-FFF2-40B4-BE49-F238E27FC236}">
-                <a16:creationId xmlns:a16="http://schemas.microsoft.com/office/drawing/2014/main" id="{0C4BD910-261C-8155-A9B7-9BEE2CA516B0}"/>
+                <a16:creationId xmlns:a16="http://schemas.microsoft.com/office/drawing/2014/main" id="{33986809-D0DD-2491-D901-5BEDFDDF951E}"/>
               </a:ext>
             </a:extLst>
           </p:cNvPr>
@@ -2062,7 +2062,7 @@
           <a:bodyPr/>
           <a:lstStyle/>
           <a:p>
-            <a:fld id="{7AA87A8D-598E-496E-81AE-78F282129C5A}" type="datetimeFigureOut">
+            <a:fld id="{828F3A8C-BC72-4107-AD19-D0793A15E6C7}" type="datetimeFigureOut">
               <a:rPr lang="zh-CN" altLang="en-US" smtClean="0"/>
               <a:t>2024/3/10</a:t>
             </a:fld>
@@ -2075,7 +2075,7 @@
           <p:cNvPr id="3" name="页脚占位符 2">
             <a:extLst>
               <a:ext uri="{FF2B5EF4-FFF2-40B4-BE49-F238E27FC236}">
-                <a16:creationId xmlns:a16="http://schemas.microsoft.com/office/drawing/2014/main" id="{B4FC0F2E-9EDD-3A10-C67C-0008FD2D67AB}"/>
+                <a16:creationId xmlns:a16="http://schemas.microsoft.com/office/drawing/2014/main" id="{102BD4F1-7E39-040B-E850-B37CF7E514FB}"/>
               </a:ext>
             </a:extLst>
           </p:cNvPr>
@@ -2100,7 +2100,7 @@
           <p:cNvPr id="4" name="灯片编号占位符 3">
             <a:extLst>
               <a:ext uri="{FF2B5EF4-FFF2-40B4-BE49-F238E27FC236}">
-                <a16:creationId xmlns:a16="http://schemas.microsoft.com/office/drawing/2014/main" id="{A054CC75-8484-3932-67F9-EB0A92EA0A7E}"/>
+                <a16:creationId xmlns:a16="http://schemas.microsoft.com/office/drawing/2014/main" id="{4827A0D1-9E3A-5FA9-690C-967F0D12C25F}"/>
               </a:ext>
             </a:extLst>
           </p:cNvPr>
@@ -2116,7 +2116,7 @@
           <a:bodyPr/>
           <a:lstStyle/>
           <a:p>
-            <a:fld id="{059BFBEB-1B3E-4B10-ABBE-28A5089775A6}" type="slidenum">
+            <a:fld id="{B6719500-3C66-4C14-BAFE-6F6E6808BCE0}" type="slidenum">
               <a:rPr lang="zh-CN" altLang="en-US" smtClean="0"/>
               <a:t>‹#›</a:t>
             </a:fld>
@@ -2127,7 +2127,7 @@
     </p:spTree>
     <p:extLst>
       <p:ext uri="{BB962C8B-B14F-4D97-AF65-F5344CB8AC3E}">
-        <p14:creationId xmlns:p14="http://schemas.microsoft.com/office/powerpoint/2010/main" val="393245803"/>
+        <p14:creationId xmlns:p14="http://schemas.microsoft.com/office/powerpoint/2010/main" val="4161728096"/>
       </p:ext>
     </p:extLst>
   </p:cSld>
@@ -2159,7 +2159,7 @@
           <p:cNvPr id="2" name="标题 1">
             <a:extLst>
               <a:ext uri="{FF2B5EF4-FFF2-40B4-BE49-F238E27FC236}">
-                <a16:creationId xmlns:a16="http://schemas.microsoft.com/office/drawing/2014/main" id="{A9E0B492-FA4A-8262-8F72-02B37F6C8E0F}"/>
+                <a16:creationId xmlns:a16="http://schemas.microsoft.com/office/drawing/2014/main" id="{CD2D9CD1-51B3-9F36-1332-ADA15908FA75}"/>
               </a:ext>
             </a:extLst>
           </p:cNvPr>
@@ -2196,7 +2196,7 @@
           <p:cNvPr id="3" name="内容占位符 2">
             <a:extLst>
               <a:ext uri="{FF2B5EF4-FFF2-40B4-BE49-F238E27FC236}">
-                <a16:creationId xmlns:a16="http://schemas.microsoft.com/office/drawing/2014/main" id="{1D9D14AC-5A4C-911F-2030-60BA48BBB7CA}"/>
+                <a16:creationId xmlns:a16="http://schemas.microsoft.com/office/drawing/2014/main" id="{E6A47FDC-C6A9-AC3E-BB22-44138BBDEBFA}"/>
               </a:ext>
             </a:extLst>
           </p:cNvPr>
@@ -2286,7 +2286,7 @@
           <p:cNvPr id="4" name="文本占位符 3">
             <a:extLst>
               <a:ext uri="{FF2B5EF4-FFF2-40B4-BE49-F238E27FC236}">
-                <a16:creationId xmlns:a16="http://schemas.microsoft.com/office/drawing/2014/main" id="{0C937CB2-F6C8-7F04-4916-5EAF5241F62F}"/>
+                <a16:creationId xmlns:a16="http://schemas.microsoft.com/office/drawing/2014/main" id="{165E21C0-6F91-3753-7A6B-029659CDFE85}"/>
               </a:ext>
             </a:extLst>
           </p:cNvPr>
@@ -2357,7 +2357,7 @@
           <p:cNvPr id="5" name="日期占位符 4">
             <a:extLst>
               <a:ext uri="{FF2B5EF4-FFF2-40B4-BE49-F238E27FC236}">
-                <a16:creationId xmlns:a16="http://schemas.microsoft.com/office/drawing/2014/main" id="{FC2821C5-3E16-3C1A-FBB4-40738A9C969F}"/>
+                <a16:creationId xmlns:a16="http://schemas.microsoft.com/office/drawing/2014/main" id="{F3693BAA-F698-FDF2-DE91-057239AEB54A}"/>
               </a:ext>
             </a:extLst>
           </p:cNvPr>
@@ -2373,7 +2373,7 @@
           <a:bodyPr/>
           <a:lstStyle/>
           <a:p>
-            <a:fld id="{7AA87A8D-598E-496E-81AE-78F282129C5A}" type="datetimeFigureOut">
+            <a:fld id="{828F3A8C-BC72-4107-AD19-D0793A15E6C7}" type="datetimeFigureOut">
               <a:rPr lang="zh-CN" altLang="en-US" smtClean="0"/>
               <a:t>2024/3/10</a:t>
             </a:fld>
@@ -2386,7 +2386,7 @@
           <p:cNvPr id="6" name="页脚占位符 5">
             <a:extLst>
               <a:ext uri="{FF2B5EF4-FFF2-40B4-BE49-F238E27FC236}">
-                <a16:creationId xmlns:a16="http://schemas.microsoft.com/office/drawing/2014/main" id="{938C541A-2818-E944-3D3C-8D459775565E}"/>
+                <a16:creationId xmlns:a16="http://schemas.microsoft.com/office/drawing/2014/main" id="{92019A9C-FFCA-F911-9489-DF857426E472}"/>
               </a:ext>
             </a:extLst>
           </p:cNvPr>
@@ -2411,7 +2411,7 @@
           <p:cNvPr id="7" name="灯片编号占位符 6">
             <a:extLst>
               <a:ext uri="{FF2B5EF4-FFF2-40B4-BE49-F238E27FC236}">
-                <a16:creationId xmlns:a16="http://schemas.microsoft.com/office/drawing/2014/main" id="{C78E21F2-6597-4D6C-53BC-A48C7A8A74CD}"/>
+                <a16:creationId xmlns:a16="http://schemas.microsoft.com/office/drawing/2014/main" id="{4D3E9196-4FF2-C9B4-2E98-66B5F603B10C}"/>
               </a:ext>
             </a:extLst>
           </p:cNvPr>
@@ -2427,7 +2427,7 @@
           <a:bodyPr/>
           <a:lstStyle/>
           <a:p>
-            <a:fld id="{059BFBEB-1B3E-4B10-ABBE-28A5089775A6}" type="slidenum">
+            <a:fld id="{B6719500-3C66-4C14-BAFE-6F6E6808BCE0}" type="slidenum">
               <a:rPr lang="zh-CN" altLang="en-US" smtClean="0"/>
               <a:t>‹#›</a:t>
             </a:fld>
@@ -2438,7 +2438,7 @@
     </p:spTree>
     <p:extLst>
       <p:ext uri="{BB962C8B-B14F-4D97-AF65-F5344CB8AC3E}">
-        <p14:creationId xmlns:p14="http://schemas.microsoft.com/office/powerpoint/2010/main" val="3842580853"/>
+        <p14:creationId xmlns:p14="http://schemas.microsoft.com/office/powerpoint/2010/main" val="1103488745"/>
       </p:ext>
     </p:extLst>
   </p:cSld>
@@ -2470,7 +2470,7 @@
           <p:cNvPr id="2" name="标题 1">
             <a:extLst>
               <a:ext uri="{FF2B5EF4-FFF2-40B4-BE49-F238E27FC236}">
-                <a16:creationId xmlns:a16="http://schemas.microsoft.com/office/drawing/2014/main" id="{AC5656B7-F260-3097-43D0-8F25153B21A5}"/>
+                <a16:creationId xmlns:a16="http://schemas.microsoft.com/office/drawing/2014/main" id="{DB411B74-F00E-7795-B639-56731381D880}"/>
               </a:ext>
             </a:extLst>
           </p:cNvPr>
@@ -2507,7 +2507,7 @@
           <p:cNvPr id="3" name="图片占位符 2">
             <a:extLst>
               <a:ext uri="{FF2B5EF4-FFF2-40B4-BE49-F238E27FC236}">
-                <a16:creationId xmlns:a16="http://schemas.microsoft.com/office/drawing/2014/main" id="{DA7E10FB-4560-601B-1BE1-76C5C6C75427}"/>
+                <a16:creationId xmlns:a16="http://schemas.microsoft.com/office/drawing/2014/main" id="{4704392E-7C32-9A6F-C187-30474E78302B}"/>
               </a:ext>
             </a:extLst>
           </p:cNvPr>
@@ -2574,7 +2574,7 @@
           <p:cNvPr id="4" name="文本占位符 3">
             <a:extLst>
               <a:ext uri="{FF2B5EF4-FFF2-40B4-BE49-F238E27FC236}">
-                <a16:creationId xmlns:a16="http://schemas.microsoft.com/office/drawing/2014/main" id="{12E0943E-7954-8DD3-2BE9-6F370752908C}"/>
+                <a16:creationId xmlns:a16="http://schemas.microsoft.com/office/drawing/2014/main" id="{1E3E7A0D-89E9-19DF-7417-C5FCF5BF923A}"/>
               </a:ext>
             </a:extLst>
           </p:cNvPr>
@@ -2645,7 +2645,7 @@
           <p:cNvPr id="5" name="日期占位符 4">
             <a:extLst>
               <a:ext uri="{FF2B5EF4-FFF2-40B4-BE49-F238E27FC236}">
-                <a16:creationId xmlns:a16="http://schemas.microsoft.com/office/drawing/2014/main" id="{346D106C-D8E6-951F-480E-AD67D35F128F}"/>
+                <a16:creationId xmlns:a16="http://schemas.microsoft.com/office/drawing/2014/main" id="{C7A52A25-D59D-8EAB-11D5-22627A25AA90}"/>
               </a:ext>
             </a:extLst>
           </p:cNvPr>
@@ -2661,7 +2661,7 @@
           <a:bodyPr/>
           <a:lstStyle/>
           <a:p>
-            <a:fld id="{7AA87A8D-598E-496E-81AE-78F282129C5A}" type="datetimeFigureOut">
+            <a:fld id="{828F3A8C-BC72-4107-AD19-D0793A15E6C7}" type="datetimeFigureOut">
               <a:rPr lang="zh-CN" altLang="en-US" smtClean="0"/>
               <a:t>2024/3/10</a:t>
             </a:fld>
@@ -2674,7 +2674,7 @@
           <p:cNvPr id="6" name="页脚占位符 5">
             <a:extLst>
               <a:ext uri="{FF2B5EF4-FFF2-40B4-BE49-F238E27FC236}">
-                <a16:creationId xmlns:a16="http://schemas.microsoft.com/office/drawing/2014/main" id="{4D500EAC-CDBF-E336-4F57-782521D8D612}"/>
+                <a16:creationId xmlns:a16="http://schemas.microsoft.com/office/drawing/2014/main" id="{6CD8FB68-751D-534F-A6A4-F5120880820B}"/>
               </a:ext>
             </a:extLst>
           </p:cNvPr>
@@ -2699,7 +2699,7 @@
           <p:cNvPr id="7" name="灯片编号占位符 6">
             <a:extLst>
               <a:ext uri="{FF2B5EF4-FFF2-40B4-BE49-F238E27FC236}">
-                <a16:creationId xmlns:a16="http://schemas.microsoft.com/office/drawing/2014/main" id="{C9A63854-B9F6-E544-A280-93A0953013DC}"/>
+                <a16:creationId xmlns:a16="http://schemas.microsoft.com/office/drawing/2014/main" id="{33E14221-9DE3-7464-26A8-82CFB1A7017D}"/>
               </a:ext>
             </a:extLst>
           </p:cNvPr>
@@ -2715,7 +2715,7 @@
           <a:bodyPr/>
           <a:lstStyle/>
           <a:p>
-            <a:fld id="{059BFBEB-1B3E-4B10-ABBE-28A5089775A6}" type="slidenum">
+            <a:fld id="{B6719500-3C66-4C14-BAFE-6F6E6808BCE0}" type="slidenum">
               <a:rPr lang="zh-CN" altLang="en-US" smtClean="0"/>
               <a:t>‹#›</a:t>
             </a:fld>
@@ -2726,7 +2726,7 @@
     </p:spTree>
     <p:extLst>
       <p:ext uri="{BB962C8B-B14F-4D97-AF65-F5344CB8AC3E}">
-        <p14:creationId xmlns:p14="http://schemas.microsoft.com/office/powerpoint/2010/main" val="70833018"/>
+        <p14:creationId xmlns:p14="http://schemas.microsoft.com/office/powerpoint/2010/main" val="3920064478"/>
       </p:ext>
     </p:extLst>
   </p:cSld>
@@ -2763,7 +2763,7 @@
           <p:cNvPr id="2" name="标题占位符 1">
             <a:extLst>
               <a:ext uri="{FF2B5EF4-FFF2-40B4-BE49-F238E27FC236}">
-                <a16:creationId xmlns:a16="http://schemas.microsoft.com/office/drawing/2014/main" id="{1397E1D6-0507-CB81-FF3C-BB456E1F5811}"/>
+                <a16:creationId xmlns:a16="http://schemas.microsoft.com/office/drawing/2014/main" id="{43405819-BE52-B29A-FCB8-AC80DA4B94FB}"/>
               </a:ext>
             </a:extLst>
           </p:cNvPr>
@@ -2801,7 +2801,7 @@
           <p:cNvPr id="3" name="文本占位符 2">
             <a:extLst>
               <a:ext uri="{FF2B5EF4-FFF2-40B4-BE49-F238E27FC236}">
-                <a16:creationId xmlns:a16="http://schemas.microsoft.com/office/drawing/2014/main" id="{D54F5290-7A95-2AE5-9E6D-45FEC1EB77A8}"/>
+                <a16:creationId xmlns:a16="http://schemas.microsoft.com/office/drawing/2014/main" id="{F768D29D-63E8-FF0F-4B07-A89B8A9A0E16}"/>
               </a:ext>
             </a:extLst>
           </p:cNvPr>
@@ -2868,7 +2868,7 @@
           <p:cNvPr id="4" name="日期占位符 3">
             <a:extLst>
               <a:ext uri="{FF2B5EF4-FFF2-40B4-BE49-F238E27FC236}">
-                <a16:creationId xmlns:a16="http://schemas.microsoft.com/office/drawing/2014/main" id="{2AF73012-8B09-8334-B257-69684B1314F5}"/>
+                <a16:creationId xmlns:a16="http://schemas.microsoft.com/office/drawing/2014/main" id="{8BFE28E7-07DE-9AD8-3619-B082EB829DD0}"/>
               </a:ext>
             </a:extLst>
           </p:cNvPr>
@@ -2902,7 +2902,7 @@
             </a:lvl1pPr>
           </a:lstStyle>
           <a:p>
-            <a:fld id="{7AA87A8D-598E-496E-81AE-78F282129C5A}" type="datetimeFigureOut">
+            <a:fld id="{828F3A8C-BC72-4107-AD19-D0793A15E6C7}" type="datetimeFigureOut">
               <a:rPr lang="zh-CN" altLang="en-US" smtClean="0"/>
               <a:t>2024/3/10</a:t>
             </a:fld>
@@ -2915,7 +2915,7 @@
           <p:cNvPr id="5" name="页脚占位符 4">
             <a:extLst>
               <a:ext uri="{FF2B5EF4-FFF2-40B4-BE49-F238E27FC236}">
-                <a16:creationId xmlns:a16="http://schemas.microsoft.com/office/drawing/2014/main" id="{C0D4CA2D-5F47-5CB6-A132-044D7CDA19C8}"/>
+                <a16:creationId xmlns:a16="http://schemas.microsoft.com/office/drawing/2014/main" id="{08E5F338-693D-7B18-E5F1-212894E3D4DB}"/>
               </a:ext>
             </a:extLst>
           </p:cNvPr>
@@ -2958,7 +2958,7 @@
           <p:cNvPr id="6" name="灯片编号占位符 5">
             <a:extLst>
               <a:ext uri="{FF2B5EF4-FFF2-40B4-BE49-F238E27FC236}">
-                <a16:creationId xmlns:a16="http://schemas.microsoft.com/office/drawing/2014/main" id="{BD1C4F08-9DA7-3077-1D66-B301120A6C79}"/>
+                <a16:creationId xmlns:a16="http://schemas.microsoft.com/office/drawing/2014/main" id="{AC0167A4-D1DD-FCBD-C208-54D1F2EA7278}"/>
               </a:ext>
             </a:extLst>
           </p:cNvPr>
@@ -2992,7 +2992,7 @@
             </a:lvl1pPr>
           </a:lstStyle>
           <a:p>
-            <a:fld id="{059BFBEB-1B3E-4B10-ABBE-28A5089775A6}" type="slidenum">
+            <a:fld id="{B6719500-3C66-4C14-BAFE-6F6E6808BCE0}" type="slidenum">
               <a:rPr lang="zh-CN" altLang="en-US" smtClean="0"/>
               <a:t>‹#›</a:t>
             </a:fld>
@@ -3003,7 +3003,7 @@
     </p:spTree>
     <p:extLst>
       <p:ext uri="{BB962C8B-B14F-4D97-AF65-F5344CB8AC3E}">
-        <p14:creationId xmlns:p14="http://schemas.microsoft.com/office/powerpoint/2010/main" val="2268060226"/>
+        <p14:creationId xmlns:p14="http://schemas.microsoft.com/office/powerpoint/2010/main" val="843489386"/>
       </p:ext>
     </p:extLst>
   </p:cSld>
